--- a/debruijn/doc/chalmers-2020.pptx
+++ b/debruijn/doc/chalmers-2020.pptx
@@ -553,10 +553,7 @@
           <a:bodyPr/>
           <a:lstStyle/>
           <a:p>
-            <a:r>
-              <a:rPr lang="en-US" dirty="0"/>
-              <a:t>When things get scary, let's just close our eyes. We can ignore the details.</a:t>
-            </a:r>
+            <a:endParaRPr lang="en-US" dirty="0"/>
           </a:p>
         </p:txBody>
       </p:sp>
@@ -577,6 +574,93 @@
           <a:p>
             <a:fld id="{A180D43F-ACE1-D140-AD95-9AB5F0193656}" type="slidenum">
               <a:rPr lang="en-US" smtClean="0"/>
+              <a:t>1</a:t>
+            </a:fld>
+            <a:endParaRPr lang="en-US"/>
+          </a:p>
+        </p:txBody>
+      </p:sp>
+    </p:spTree>
+    <p:extLst>
+      <p:ext uri="{BB962C8B-B14F-4D97-AF65-F5344CB8AC3E}">
+        <p14:creationId xmlns:p14="http://schemas.microsoft.com/office/powerpoint/2010/main" val="2025254084"/>
+      </p:ext>
+    </p:extLst>
+  </p:cSld>
+  <p:clrMapOvr>
+    <a:masterClrMapping/>
+  </p:clrMapOvr>
+</p:notes>
+</file>
+
+<file path=ppt/notesSlides/notesSlide2.xml><?xml version="1.0" encoding="utf-8"?>
+<p:notes xmlns:a="http://schemas.openxmlformats.org/drawingml/2006/main" xmlns:r="http://schemas.openxmlformats.org/officeDocument/2006/relationships" xmlns:p="http://schemas.openxmlformats.org/presentationml/2006/main">
+  <p:cSld>
+    <p:spTree>
+      <p:nvGrpSpPr>
+        <p:cNvPr id="1" name=""/>
+        <p:cNvGrpSpPr/>
+        <p:nvPr/>
+      </p:nvGrpSpPr>
+      <p:grpSpPr>
+        <a:xfrm>
+          <a:off x="0" y="0"/>
+          <a:ext cx="0" cy="0"/>
+          <a:chOff x="0" y="0"/>
+          <a:chExt cx="0" cy="0"/>
+        </a:xfrm>
+      </p:grpSpPr>
+      <p:sp>
+        <p:nvSpPr>
+          <p:cNvPr id="2" name="Slide Image Placeholder 1"/>
+          <p:cNvSpPr>
+            <a:spLocks noGrp="1" noRot="1" noChangeAspect="1"/>
+          </p:cNvSpPr>
+          <p:nvPr>
+            <p:ph type="sldImg"/>
+          </p:nvPr>
+        </p:nvSpPr>
+        <p:spPr/>
+      </p:sp>
+      <p:sp>
+        <p:nvSpPr>
+          <p:cNvPr id="3" name="Notes Placeholder 2"/>
+          <p:cNvSpPr>
+            <a:spLocks noGrp="1"/>
+          </p:cNvSpPr>
+          <p:nvPr>
+            <p:ph type="body" idx="1"/>
+          </p:nvPr>
+        </p:nvSpPr>
+        <p:spPr/>
+        <p:txBody>
+          <a:bodyPr/>
+          <a:lstStyle/>
+          <a:p>
+            <a:r>
+              <a:rPr lang="en-US" dirty="0"/>
+              <a:t>When things get scary, let's just close our eyes. We can ignore the details.</a:t>
+            </a:r>
+          </a:p>
+        </p:txBody>
+      </p:sp>
+      <p:sp>
+        <p:nvSpPr>
+          <p:cNvPr id="4" name="Slide Number Placeholder 3"/>
+          <p:cNvSpPr>
+            <a:spLocks noGrp="1"/>
+          </p:cNvSpPr>
+          <p:nvPr>
+            <p:ph type="sldNum" sz="quarter" idx="5"/>
+          </p:nvPr>
+        </p:nvSpPr>
+        <p:spPr/>
+        <p:txBody>
+          <a:bodyPr/>
+          <a:lstStyle/>
+          <a:p>
+            <a:fld id="{A180D43F-ACE1-D140-AD95-9AB5F0193656}" type="slidenum">
+              <a:rPr lang="en-US" smtClean="0"/>
               <a:t>10</a:t>
             </a:fld>
             <a:endParaRPr lang="en-US"/>
@@ -596,7 +680,7 @@
 </p:notes>
 </file>
 
-<file path=ppt/notesSlides/notesSlide2.xml><?xml version="1.0" encoding="utf-8"?>
+<file path=ppt/notesSlides/notesSlide3.xml><?xml version="1.0" encoding="utf-8"?>
 <p:notes xmlns:a="http://schemas.openxmlformats.org/drawingml/2006/main" xmlns:r="http://schemas.openxmlformats.org/officeDocument/2006/relationships" xmlns:p="http://schemas.openxmlformats.org/presentationml/2006/main">
   <p:cSld>
     <p:spTree>
@@ -862,52 +946,6 @@
           </a:p>
         </p:txBody>
       </p:sp>
-      <p:sp>
-        <p:nvSpPr>
-          <p:cNvPr id="7" name="Rectangle 6">
-            <a:extLst>
-              <a:ext uri="{FF2B5EF4-FFF2-40B4-BE49-F238E27FC236}">
-                <a16:creationId xmlns:a16="http://schemas.microsoft.com/office/drawing/2014/main" id="{8CA671D0-7E53-BC4A-81A5-58C58C962012}"/>
-              </a:ext>
-            </a:extLst>
-          </p:cNvPr>
-          <p:cNvSpPr/>
-          <p:nvPr userDrawn="1"/>
-        </p:nvSpPr>
-        <p:spPr>
-          <a:xfrm>
-            <a:off x="7205353" y="13692"/>
-            <a:ext cx="1938647" cy="994172"/>
-          </a:xfrm>
-          <a:prstGeom prst="rect">
-            <a:avLst/>
-          </a:prstGeom>
-        </p:spPr>
-        <p:style>
-          <a:lnRef idx="2">
-            <a:schemeClr val="accent1">
-              <a:shade val="50000"/>
-            </a:schemeClr>
-          </a:lnRef>
-          <a:fillRef idx="1">
-            <a:schemeClr val="accent1"/>
-          </a:fillRef>
-          <a:effectRef idx="0">
-            <a:schemeClr val="accent1"/>
-          </a:effectRef>
-          <a:fontRef idx="minor">
-            <a:schemeClr val="lt1"/>
-          </a:fontRef>
-        </p:style>
-        <p:txBody>
-          <a:bodyPr rtlCol="0" anchor="ctr"/>
-          <a:lstStyle/>
-          <a:p>
-            <a:pPr algn="ctr"/>
-            <a:endParaRPr lang="en-US" sz="1013"/>
-          </a:p>
-        </p:txBody>
-      </p:sp>
     </p:spTree>
     <p:extLst>
       <p:ext uri="{BB962C8B-B14F-4D97-AF65-F5344CB8AC3E}">
@@ -1030,7 +1068,7 @@
           <a:p>
             <a:fld id="{4509A250-FF31-4206-8172-F9D3106AACB1}" type="datetimeFigureOut">
               <a:rPr lang="en-US" smtClean="0"/>
-              <a:t>6/14/20</a:t>
+              <a:t>6/15/20</a:t>
             </a:fld>
             <a:endParaRPr lang="en-US" dirty="0"/>
           </a:p>
@@ -1210,7 +1248,7 @@
           <a:p>
             <a:fld id="{4509A250-FF31-4206-8172-F9D3106AACB1}" type="datetimeFigureOut">
               <a:rPr lang="en-US" smtClean="0"/>
-              <a:t>6/14/20</a:t>
+              <a:t>6/15/20</a:t>
             </a:fld>
             <a:endParaRPr lang="en-US" dirty="0"/>
           </a:p>
@@ -1399,7 +1437,7 @@
           <a:p>
             <a:fld id="{4509A250-FF31-4206-8172-F9D3106AACB1}" type="datetimeFigureOut">
               <a:rPr lang="en-US" smtClean="0"/>
-              <a:t>6/14/20</a:t>
+              <a:t>6/15/20</a:t>
             </a:fld>
             <a:endParaRPr lang="en-US" dirty="0"/>
           </a:p>
@@ -1444,52 +1482,6 @@
               <a:t>‹#›</a:t>
             </a:fld>
             <a:endParaRPr lang="en-US" dirty="0"/>
-          </a:p>
-        </p:txBody>
-      </p:sp>
-      <p:sp>
-        <p:nvSpPr>
-          <p:cNvPr id="7" name="Rectangle 6">
-            <a:extLst>
-              <a:ext uri="{FF2B5EF4-FFF2-40B4-BE49-F238E27FC236}">
-                <a16:creationId xmlns:a16="http://schemas.microsoft.com/office/drawing/2014/main" id="{7D92618F-FFFA-4940-BB4C-5120BD35546E}"/>
-              </a:ext>
-            </a:extLst>
-          </p:cNvPr>
-          <p:cNvSpPr/>
-          <p:nvPr userDrawn="1"/>
-        </p:nvSpPr>
-        <p:spPr>
-          <a:xfrm>
-            <a:off x="7205353" y="13692"/>
-            <a:ext cx="1938647" cy="994172"/>
-          </a:xfrm>
-          <a:prstGeom prst="rect">
-            <a:avLst/>
-          </a:prstGeom>
-        </p:spPr>
-        <p:style>
-          <a:lnRef idx="2">
-            <a:schemeClr val="accent1">
-              <a:shade val="50000"/>
-            </a:schemeClr>
-          </a:lnRef>
-          <a:fillRef idx="1">
-            <a:schemeClr val="accent1"/>
-          </a:fillRef>
-          <a:effectRef idx="0">
-            <a:schemeClr val="accent1"/>
-          </a:effectRef>
-          <a:fontRef idx="minor">
-            <a:schemeClr val="lt1"/>
-          </a:fontRef>
-        </p:style>
-        <p:txBody>
-          <a:bodyPr rtlCol="0" anchor="ctr"/>
-          <a:lstStyle/>
-          <a:p>
-            <a:pPr algn="ctr"/>
-            <a:endParaRPr lang="en-US" sz="1013"/>
           </a:p>
         </p:txBody>
       </p:sp>
@@ -1739,52 +1731,6 @@
           </a:p>
         </p:txBody>
       </p:sp>
-      <p:sp>
-        <p:nvSpPr>
-          <p:cNvPr id="7" name="Rectangle 6">
-            <a:extLst>
-              <a:ext uri="{FF2B5EF4-FFF2-40B4-BE49-F238E27FC236}">
-                <a16:creationId xmlns:a16="http://schemas.microsoft.com/office/drawing/2014/main" id="{F13B3413-467D-644E-A589-24A35BEA044B}"/>
-              </a:ext>
-            </a:extLst>
-          </p:cNvPr>
-          <p:cNvSpPr/>
-          <p:nvPr userDrawn="1"/>
-        </p:nvSpPr>
-        <p:spPr>
-          <a:xfrm>
-            <a:off x="7205353" y="13692"/>
-            <a:ext cx="1938647" cy="994172"/>
-          </a:xfrm>
-          <a:prstGeom prst="rect">
-            <a:avLst/>
-          </a:prstGeom>
-        </p:spPr>
-        <p:style>
-          <a:lnRef idx="2">
-            <a:schemeClr val="accent1">
-              <a:shade val="50000"/>
-            </a:schemeClr>
-          </a:lnRef>
-          <a:fillRef idx="1">
-            <a:schemeClr val="accent1"/>
-          </a:fillRef>
-          <a:effectRef idx="0">
-            <a:schemeClr val="accent1"/>
-          </a:effectRef>
-          <a:fontRef idx="minor">
-            <a:schemeClr val="lt1"/>
-          </a:fontRef>
-        </p:style>
-        <p:txBody>
-          <a:bodyPr rtlCol="0" anchor="ctr"/>
-          <a:lstStyle/>
-          <a:p>
-            <a:pPr algn="ctr"/>
-            <a:endParaRPr lang="en-US" sz="1013"/>
-          </a:p>
-        </p:txBody>
-      </p:sp>
     </p:spTree>
     <p:extLst>
       <p:ext uri="{BB962C8B-B14F-4D97-AF65-F5344CB8AC3E}">
@@ -2014,52 +1960,6 @@
               <a:t>‹#›</a:t>
             </a:fld>
             <a:endParaRPr lang="en-US" dirty="0"/>
-          </a:p>
-        </p:txBody>
-      </p:sp>
-      <p:sp>
-        <p:nvSpPr>
-          <p:cNvPr id="8" name="Rectangle 7">
-            <a:extLst>
-              <a:ext uri="{FF2B5EF4-FFF2-40B4-BE49-F238E27FC236}">
-                <a16:creationId xmlns:a16="http://schemas.microsoft.com/office/drawing/2014/main" id="{4D38EED6-D4F2-D741-8A98-CF6C2B5467DF}"/>
-              </a:ext>
-            </a:extLst>
-          </p:cNvPr>
-          <p:cNvSpPr/>
-          <p:nvPr userDrawn="1"/>
-        </p:nvSpPr>
-        <p:spPr>
-          <a:xfrm>
-            <a:off x="7205353" y="13692"/>
-            <a:ext cx="1938647" cy="994172"/>
-          </a:xfrm>
-          <a:prstGeom prst="rect">
-            <a:avLst/>
-          </a:prstGeom>
-        </p:spPr>
-        <p:style>
-          <a:lnRef idx="2">
-            <a:schemeClr val="accent1">
-              <a:shade val="50000"/>
-            </a:schemeClr>
-          </a:lnRef>
-          <a:fillRef idx="1">
-            <a:schemeClr val="accent1"/>
-          </a:fillRef>
-          <a:effectRef idx="0">
-            <a:schemeClr val="accent1"/>
-          </a:effectRef>
-          <a:fontRef idx="minor">
-            <a:schemeClr val="lt1"/>
-          </a:fontRef>
-        </p:style>
-        <p:txBody>
-          <a:bodyPr rtlCol="0" anchor="ctr"/>
-          <a:lstStyle/>
-          <a:p>
-            <a:pPr algn="ctr"/>
-            <a:endParaRPr lang="en-US" sz="1013"/>
           </a:p>
         </p:txBody>
       </p:sp>
@@ -2382,7 +2282,7 @@
           <a:p>
             <a:fld id="{9796027F-7875-4030-9381-8BD8C4F21935}" type="datetimeFigureOut">
               <a:rPr lang="en-US" smtClean="0"/>
-              <a:t>6/14/20</a:t>
+              <a:t>6/15/20</a:t>
             </a:fld>
             <a:endParaRPr lang="en-US" dirty="0"/>
           </a:p>
@@ -2500,7 +2400,7 @@
           <a:p>
             <a:fld id="{4509A250-FF31-4206-8172-F9D3106AACB1}" type="datetimeFigureOut">
               <a:rPr lang="en-US" smtClean="0"/>
-              <a:t>6/14/20</a:t>
+              <a:t>6/15/20</a:t>
             </a:fld>
             <a:endParaRPr lang="en-US" dirty="0"/>
           </a:p>
@@ -2595,7 +2495,7 @@
           <a:p>
             <a:fld id="{4509A250-FF31-4206-8172-F9D3106AACB1}" type="datetimeFigureOut">
               <a:rPr lang="en-US" smtClean="0"/>
-              <a:t>6/14/20</a:t>
+              <a:t>6/15/20</a:t>
             </a:fld>
             <a:endParaRPr lang="en-US" dirty="0"/>
           </a:p>
@@ -2872,7 +2772,7 @@
           <a:p>
             <a:fld id="{4509A250-FF31-4206-8172-F9D3106AACB1}" type="datetimeFigureOut">
               <a:rPr lang="en-US" smtClean="0"/>
-              <a:t>6/14/20</a:t>
+              <a:t>6/15/20</a:t>
             </a:fld>
             <a:endParaRPr lang="en-US" dirty="0"/>
           </a:p>
@@ -3129,7 +3029,7 @@
           <a:p>
             <a:fld id="{4509A250-FF31-4206-8172-F9D3106AACB1}" type="datetimeFigureOut">
               <a:rPr lang="en-US" smtClean="0"/>
-              <a:t>6/14/20</a:t>
+              <a:t>6/15/20</a:t>
             </a:fld>
             <a:endParaRPr lang="en-US" dirty="0"/>
           </a:p>
@@ -3342,7 +3242,7 @@
           <a:p>
             <a:fld id="{4AAD347D-5ACD-4C99-B74B-A9C85AD731AF}" type="datetimeFigureOut">
               <a:rPr lang="en-US" smtClean="0"/>
-              <a:t>6/14/20</a:t>
+              <a:t>6/15/20</a:t>
             </a:fld>
             <a:endParaRPr lang="en-US" dirty="0"/>
           </a:p>
@@ -24623,19 +24523,22 @@
             </a:r>
             <a:r>
               <a:rPr lang="en-US" dirty="0"/>
-              <a:t>: singletons library automates all of the </a:t>
-            </a:r>
-            <a:r>
-              <a:rPr lang="en-US" dirty="0" err="1"/>
-              <a:t>boilerplat</a:t>
-            </a:r>
-            <a:endParaRPr lang="en-US" dirty="0"/>
+              <a:t>: singletons library automates all of the boilerplate</a:t>
+            </a:r>
           </a:p>
           <a:p>
             <a:pPr lvl="1"/>
             <a:r>
               <a:rPr lang="en-US" dirty="0"/>
-              <a:t>caveat: there are some dragons here!</a:t>
+              <a:t>caveat: there </a:t>
+            </a:r>
+            <a:r>
+              <a:rPr lang="en-US"/>
+              <a:t>are still some </a:t>
+            </a:r>
+            <a:r>
+              <a:rPr lang="en-US" dirty="0"/>
+              <a:t>dragons here!</a:t>
             </a:r>
           </a:p>
         </p:txBody>

--- a/debruijn/doc/chalmers-2020.pptx
+++ b/debruijn/doc/chalmers-2020.pptx
@@ -40,9 +40,9 @@
     <p:sldId id="313" r:id="rId31"/>
     <p:sldId id="282" r:id="rId32"/>
     <p:sldId id="311" r:id="rId33"/>
-    <p:sldId id="260" r:id="rId34"/>
-    <p:sldId id="268" r:id="rId35"/>
-    <p:sldId id="283" r:id="rId36"/>
+    <p:sldId id="334" r:id="rId34"/>
+    <p:sldId id="335" r:id="rId35"/>
+    <p:sldId id="336" r:id="rId36"/>
   </p:sldIdLst>
   <p:sldSz cx="9144000" cy="5143500" type="screen16x9"/>
   <p:notesSz cx="6858000" cy="9144000"/>
@@ -25366,6 +25366,212 @@
           <p:cNvPr id="2" name="Title 1">
             <a:extLst>
               <a:ext uri="{FF2B5EF4-FFF2-40B4-BE49-F238E27FC236}">
+                <a16:creationId xmlns:a16="http://schemas.microsoft.com/office/drawing/2014/main" id="{BF021AC1-5DEC-5B42-A9A3-F66DD97FA499}"/>
+              </a:ext>
+            </a:extLst>
+          </p:cNvPr>
+          <p:cNvSpPr>
+            <a:spLocks noGrp="1"/>
+          </p:cNvSpPr>
+          <p:nvPr>
+            <p:ph type="title"/>
+          </p:nvPr>
+        </p:nvSpPr>
+        <p:spPr/>
+        <p:txBody>
+          <a:bodyPr/>
+          <a:lstStyle/>
+          <a:p>
+            <a:endParaRPr lang="en-US"/>
+          </a:p>
+        </p:txBody>
+      </p:sp>
+      <p:pic>
+        <p:nvPicPr>
+          <p:cNvPr id="5" name="Content Placeholder 4">
+            <a:extLst>
+              <a:ext uri="{FF2B5EF4-FFF2-40B4-BE49-F238E27FC236}">
+                <a16:creationId xmlns:a16="http://schemas.microsoft.com/office/drawing/2014/main" id="{6A5D31D2-D558-E64E-A40B-BE43567A8358}"/>
+              </a:ext>
+            </a:extLst>
+          </p:cNvPr>
+          <p:cNvPicPr>
+            <a:picLocks noGrp="1" noChangeAspect="1"/>
+          </p:cNvPicPr>
+          <p:nvPr>
+            <p:ph idx="1"/>
+          </p:nvPr>
+        </p:nvPicPr>
+        <p:blipFill>
+          <a:blip r:embed="rId2"/>
+          <a:stretch>
+            <a:fillRect/>
+          </a:stretch>
+        </p:blipFill>
+        <p:spPr>
+          <a:xfrm>
+            <a:off x="1453984" y="255389"/>
+            <a:ext cx="6236032" cy="4632722"/>
+          </a:xfrm>
+        </p:spPr>
+      </p:pic>
+    </p:spTree>
+    <p:extLst>
+      <p:ext uri="{BB962C8B-B14F-4D97-AF65-F5344CB8AC3E}">
+        <p14:creationId xmlns:p14="http://schemas.microsoft.com/office/powerpoint/2010/main" val="317688416"/>
+      </p:ext>
+    </p:extLst>
+  </p:cSld>
+  <p:clrMapOvr>
+    <a:masterClrMapping/>
+  </p:clrMapOvr>
+</p:sld>
+</file>
+
+<file path=ppt/slides/slide34.xml><?xml version="1.0" encoding="utf-8"?>
+<p:sld xmlns:a="http://schemas.openxmlformats.org/drawingml/2006/main" xmlns:r="http://schemas.openxmlformats.org/officeDocument/2006/relationships" xmlns:p="http://schemas.openxmlformats.org/presentationml/2006/main">
+  <p:cSld>
+    <p:spTree>
+      <p:nvGrpSpPr>
+        <p:cNvPr id="1" name=""/>
+        <p:cNvGrpSpPr/>
+        <p:nvPr/>
+      </p:nvGrpSpPr>
+      <p:grpSpPr>
+        <a:xfrm>
+          <a:off x="0" y="0"/>
+          <a:ext cx="0" cy="0"/>
+          <a:chOff x="0" y="0"/>
+          <a:chExt cx="0" cy="0"/>
+        </a:xfrm>
+      </p:grpSpPr>
+      <p:sp>
+        <p:nvSpPr>
+          <p:cNvPr id="2" name="Title 1">
+            <a:extLst>
+              <a:ext uri="{FF2B5EF4-FFF2-40B4-BE49-F238E27FC236}">
+                <a16:creationId xmlns:a16="http://schemas.microsoft.com/office/drawing/2014/main" id="{292B9A3D-5E93-6D49-9051-02CACF7ACB7F}"/>
+              </a:ext>
+            </a:extLst>
+          </p:cNvPr>
+          <p:cNvSpPr>
+            <a:spLocks noGrp="1"/>
+          </p:cNvSpPr>
+          <p:nvPr>
+            <p:ph type="title"/>
+          </p:nvPr>
+        </p:nvSpPr>
+        <p:spPr/>
+        <p:txBody>
+          <a:bodyPr/>
+          <a:lstStyle/>
+          <a:p>
+            <a:r>
+              <a:rPr lang="en-US" dirty="0"/>
+              <a:t>Strongly-typed System F in Haskell</a:t>
+            </a:r>
+          </a:p>
+        </p:txBody>
+      </p:sp>
+      <p:pic>
+        <p:nvPicPr>
+          <p:cNvPr id="5" name="Content Placeholder 4" descr="A screenshot of a cell phone&#10;&#10;Description automatically generated">
+            <a:extLst>
+              <a:ext uri="{FF2B5EF4-FFF2-40B4-BE49-F238E27FC236}">
+                <a16:creationId xmlns:a16="http://schemas.microsoft.com/office/drawing/2014/main" id="{4AF48860-45D5-574C-811C-8CBF61A38B9C}"/>
+              </a:ext>
+            </a:extLst>
+          </p:cNvPr>
+          <p:cNvPicPr>
+            <a:picLocks noGrp="1" noChangeAspect="1"/>
+          </p:cNvPicPr>
+          <p:nvPr>
+            <p:ph idx="1"/>
+          </p:nvPr>
+        </p:nvPicPr>
+        <p:blipFill>
+          <a:blip r:embed="rId2"/>
+          <a:stretch>
+            <a:fillRect/>
+          </a:stretch>
+        </p:blipFill>
+        <p:spPr>
+          <a:xfrm>
+            <a:off x="1868696" y="1370013"/>
+            <a:ext cx="5406608" cy="3262312"/>
+          </a:xfrm>
+        </p:spPr>
+      </p:pic>
+      <p:sp>
+        <p:nvSpPr>
+          <p:cNvPr id="6" name="TextBox 5">
+            <a:extLst>
+              <a:ext uri="{FF2B5EF4-FFF2-40B4-BE49-F238E27FC236}">
+                <a16:creationId xmlns:a16="http://schemas.microsoft.com/office/drawing/2014/main" id="{3E5E3082-677F-7F4A-A0D6-5A7A69099F4F}"/>
+              </a:ext>
+            </a:extLst>
+          </p:cNvPr>
+          <p:cNvSpPr txBox="1"/>
+          <p:nvPr/>
+        </p:nvSpPr>
+        <p:spPr>
+          <a:xfrm>
+            <a:off x="259237" y="4744617"/>
+            <a:ext cx="704039" cy="248209"/>
+          </a:xfrm>
+          <a:prstGeom prst="rect">
+            <a:avLst/>
+          </a:prstGeom>
+          <a:noFill/>
+        </p:spPr>
+        <p:txBody>
+          <a:bodyPr wrap="none" rtlCol="0">
+            <a:spAutoFit/>
+          </a:bodyPr>
+          <a:lstStyle/>
+          <a:p>
+            <a:r>
+              <a:rPr lang="en-US" sz="1013" dirty="0"/>
+              <a:t>ICFP 2008</a:t>
+            </a:r>
+          </a:p>
+        </p:txBody>
+      </p:sp>
+    </p:spTree>
+    <p:extLst>
+      <p:ext uri="{BB962C8B-B14F-4D97-AF65-F5344CB8AC3E}">
+        <p14:creationId xmlns:p14="http://schemas.microsoft.com/office/powerpoint/2010/main" val="472489658"/>
+      </p:ext>
+    </p:extLst>
+  </p:cSld>
+  <p:clrMapOvr>
+    <a:masterClrMapping/>
+  </p:clrMapOvr>
+</p:sld>
+</file>
+
+<file path=ppt/slides/slide35.xml><?xml version="1.0" encoding="utf-8"?>
+<p:sld xmlns:a="http://schemas.openxmlformats.org/drawingml/2006/main" xmlns:r="http://schemas.openxmlformats.org/officeDocument/2006/relationships" xmlns:p="http://schemas.openxmlformats.org/presentationml/2006/main">
+  <p:cSld>
+    <p:spTree>
+      <p:nvGrpSpPr>
+        <p:cNvPr id="1" name=""/>
+        <p:cNvGrpSpPr/>
+        <p:nvPr/>
+      </p:nvGrpSpPr>
+      <p:grpSpPr>
+        <a:xfrm>
+          <a:off x="0" y="0"/>
+          <a:ext cx="0" cy="0"/>
+          <a:chOff x="0" y="0"/>
+          <a:chExt cx="0" cy="0"/>
+        </a:xfrm>
+      </p:grpSpPr>
+      <p:sp>
+        <p:nvSpPr>
+          <p:cNvPr id="2" name="Title 1">
+            <a:extLst>
+              <a:ext uri="{FF2B5EF4-FFF2-40B4-BE49-F238E27FC236}">
                 <a16:creationId xmlns:a16="http://schemas.microsoft.com/office/drawing/2014/main" id="{F44387DF-FA34-CC4D-BCF0-7F0F78CC9D24}"/>
               </a:ext>
             </a:extLst>
@@ -25489,213 +25695,7 @@
     </p:spTree>
     <p:extLst>
       <p:ext uri="{BB962C8B-B14F-4D97-AF65-F5344CB8AC3E}">
-        <p14:creationId xmlns:p14="http://schemas.microsoft.com/office/powerpoint/2010/main" val="2926893878"/>
-      </p:ext>
-    </p:extLst>
-  </p:cSld>
-  <p:clrMapOvr>
-    <a:masterClrMapping/>
-  </p:clrMapOvr>
-</p:sld>
-</file>
-
-<file path=ppt/slides/slide34.xml><?xml version="1.0" encoding="utf-8"?>
-<p:sld xmlns:a="http://schemas.openxmlformats.org/drawingml/2006/main" xmlns:r="http://schemas.openxmlformats.org/officeDocument/2006/relationships" xmlns:p="http://schemas.openxmlformats.org/presentationml/2006/main">
-  <p:cSld>
-    <p:spTree>
-      <p:nvGrpSpPr>
-        <p:cNvPr id="1" name=""/>
-        <p:cNvGrpSpPr/>
-        <p:nvPr/>
-      </p:nvGrpSpPr>
-      <p:grpSpPr>
-        <a:xfrm>
-          <a:off x="0" y="0"/>
-          <a:ext cx="0" cy="0"/>
-          <a:chOff x="0" y="0"/>
-          <a:chExt cx="0" cy="0"/>
-        </a:xfrm>
-      </p:grpSpPr>
-      <p:sp>
-        <p:nvSpPr>
-          <p:cNvPr id="2" name="Title 1">
-            <a:extLst>
-              <a:ext uri="{FF2B5EF4-FFF2-40B4-BE49-F238E27FC236}">
-                <a16:creationId xmlns:a16="http://schemas.microsoft.com/office/drawing/2014/main" id="{BF021AC1-5DEC-5B42-A9A3-F66DD97FA499}"/>
-              </a:ext>
-            </a:extLst>
-          </p:cNvPr>
-          <p:cNvSpPr>
-            <a:spLocks noGrp="1"/>
-          </p:cNvSpPr>
-          <p:nvPr>
-            <p:ph type="title"/>
-          </p:nvPr>
-        </p:nvSpPr>
-        <p:spPr/>
-        <p:txBody>
-          <a:bodyPr/>
-          <a:lstStyle/>
-          <a:p>
-            <a:endParaRPr lang="en-US"/>
-          </a:p>
-        </p:txBody>
-      </p:sp>
-      <p:pic>
-        <p:nvPicPr>
-          <p:cNvPr id="5" name="Content Placeholder 4">
-            <a:extLst>
-              <a:ext uri="{FF2B5EF4-FFF2-40B4-BE49-F238E27FC236}">
-                <a16:creationId xmlns:a16="http://schemas.microsoft.com/office/drawing/2014/main" id="{6A5D31D2-D558-E64E-A40B-BE43567A8358}"/>
-              </a:ext>
-            </a:extLst>
-          </p:cNvPr>
-          <p:cNvPicPr>
-            <a:picLocks noGrp="1" noChangeAspect="1"/>
-          </p:cNvPicPr>
-          <p:nvPr>
-            <p:ph idx="1"/>
-          </p:nvPr>
-        </p:nvPicPr>
-        <p:blipFill>
-          <a:blip r:embed="rId2"/>
-          <a:stretch>
-            <a:fillRect/>
-          </a:stretch>
-        </p:blipFill>
-        <p:spPr>
-          <a:xfrm>
-            <a:off x="1453984" y="255389"/>
-            <a:ext cx="6236032" cy="4632722"/>
-          </a:xfrm>
-        </p:spPr>
-      </p:pic>
-    </p:spTree>
-    <p:extLst>
-      <p:ext uri="{BB962C8B-B14F-4D97-AF65-F5344CB8AC3E}">
-        <p14:creationId xmlns:p14="http://schemas.microsoft.com/office/powerpoint/2010/main" val="2679570741"/>
-      </p:ext>
-    </p:extLst>
-  </p:cSld>
-  <p:clrMapOvr>
-    <a:masterClrMapping/>
-  </p:clrMapOvr>
-</p:sld>
-</file>
-
-<file path=ppt/slides/slide35.xml><?xml version="1.0" encoding="utf-8"?>
-<p:sld xmlns:a="http://schemas.openxmlformats.org/drawingml/2006/main" xmlns:r="http://schemas.openxmlformats.org/officeDocument/2006/relationships" xmlns:p="http://schemas.openxmlformats.org/presentationml/2006/main">
-  <p:cSld>
-    <p:spTree>
-      <p:nvGrpSpPr>
-        <p:cNvPr id="1" name=""/>
-        <p:cNvGrpSpPr/>
-        <p:nvPr/>
-      </p:nvGrpSpPr>
-      <p:grpSpPr>
-        <a:xfrm>
-          <a:off x="0" y="0"/>
-          <a:ext cx="0" cy="0"/>
-          <a:chOff x="0" y="0"/>
-          <a:chExt cx="0" cy="0"/>
-        </a:xfrm>
-      </p:grpSpPr>
-      <p:sp>
-        <p:nvSpPr>
-          <p:cNvPr id="2" name="Title 1">
-            <a:extLst>
-              <a:ext uri="{FF2B5EF4-FFF2-40B4-BE49-F238E27FC236}">
-                <a16:creationId xmlns:a16="http://schemas.microsoft.com/office/drawing/2014/main" id="{292B9A3D-5E93-6D49-9051-02CACF7ACB7F}"/>
-              </a:ext>
-            </a:extLst>
-          </p:cNvPr>
-          <p:cNvSpPr>
-            <a:spLocks noGrp="1"/>
-          </p:cNvSpPr>
-          <p:nvPr>
-            <p:ph type="title"/>
-          </p:nvPr>
-        </p:nvSpPr>
-        <p:spPr/>
-        <p:txBody>
-          <a:bodyPr/>
-          <a:lstStyle/>
-          <a:p>
-            <a:r>
-              <a:rPr lang="en-US" dirty="0"/>
-              <a:t>Strongly-typed System F in Haskell</a:t>
-            </a:r>
-          </a:p>
-        </p:txBody>
-      </p:sp>
-      <p:pic>
-        <p:nvPicPr>
-          <p:cNvPr id="5" name="Content Placeholder 4" descr="A screenshot of a cell phone&#10;&#10;Description automatically generated">
-            <a:extLst>
-              <a:ext uri="{FF2B5EF4-FFF2-40B4-BE49-F238E27FC236}">
-                <a16:creationId xmlns:a16="http://schemas.microsoft.com/office/drawing/2014/main" id="{4AF48860-45D5-574C-811C-8CBF61A38B9C}"/>
-              </a:ext>
-            </a:extLst>
-          </p:cNvPr>
-          <p:cNvPicPr>
-            <a:picLocks noGrp="1" noChangeAspect="1"/>
-          </p:cNvPicPr>
-          <p:nvPr>
-            <p:ph idx="1"/>
-          </p:nvPr>
-        </p:nvPicPr>
-        <p:blipFill>
-          <a:blip r:embed="rId2"/>
-          <a:stretch>
-            <a:fillRect/>
-          </a:stretch>
-        </p:blipFill>
-        <p:spPr>
-          <a:xfrm>
-            <a:off x="1868696" y="1370013"/>
-            <a:ext cx="5406608" cy="3262312"/>
-          </a:xfrm>
-        </p:spPr>
-      </p:pic>
-      <p:sp>
-        <p:nvSpPr>
-          <p:cNvPr id="6" name="TextBox 5">
-            <a:extLst>
-              <a:ext uri="{FF2B5EF4-FFF2-40B4-BE49-F238E27FC236}">
-                <a16:creationId xmlns:a16="http://schemas.microsoft.com/office/drawing/2014/main" id="{3E5E3082-677F-7F4A-A0D6-5A7A69099F4F}"/>
-              </a:ext>
-            </a:extLst>
-          </p:cNvPr>
-          <p:cNvSpPr txBox="1"/>
-          <p:nvPr/>
-        </p:nvSpPr>
-        <p:spPr>
-          <a:xfrm>
-            <a:off x="259237" y="4744617"/>
-            <a:ext cx="704039" cy="248209"/>
-          </a:xfrm>
-          <a:prstGeom prst="rect">
-            <a:avLst/>
-          </a:prstGeom>
-          <a:noFill/>
-        </p:spPr>
-        <p:txBody>
-          <a:bodyPr wrap="none" rtlCol="0">
-            <a:spAutoFit/>
-          </a:bodyPr>
-          <a:lstStyle/>
-          <a:p>
-            <a:r>
-              <a:rPr lang="en-US" sz="1013" dirty="0"/>
-              <a:t>ICFP 2008</a:t>
-            </a:r>
-          </a:p>
-        </p:txBody>
-      </p:sp>
-    </p:spTree>
-    <p:extLst>
-      <p:ext uri="{BB962C8B-B14F-4D97-AF65-F5344CB8AC3E}">
-        <p14:creationId xmlns:p14="http://schemas.microsoft.com/office/powerpoint/2010/main" val="2401357776"/>
+        <p14:creationId xmlns:p14="http://schemas.microsoft.com/office/powerpoint/2010/main" val="3924391409"/>
       </p:ext>
     </p:extLst>
   </p:cSld>
